--- a/Trabajo/Presentación/TFG_PILAR.pptx
+++ b/Trabajo/Presentación/TFG_PILAR.pptx
@@ -2221,7 +2221,7 @@
           <a:p>
             <a:fld id="{CFD3D9E8-AEA8-4266-B9F7-F80F9467AD05}" type="datetimeFigureOut">
               <a:rPr lang="es-ES" smtClean="0"/>
-              <a:t>06/09/2018</a:t>
+              <a:t>07/09/2018</a:t>
             </a:fld>
             <a:endParaRPr lang="es-ES"/>
           </a:p>
@@ -2419,7 +2419,7 @@
           <a:p>
             <a:fld id="{CFD3D9E8-AEA8-4266-B9F7-F80F9467AD05}" type="datetimeFigureOut">
               <a:rPr lang="es-ES" smtClean="0"/>
-              <a:t>06/09/2018</a:t>
+              <a:t>07/09/2018</a:t>
             </a:fld>
             <a:endParaRPr lang="es-ES"/>
           </a:p>
@@ -2627,7 +2627,7 @@
           <a:p>
             <a:fld id="{CFD3D9E8-AEA8-4266-B9F7-F80F9467AD05}" type="datetimeFigureOut">
               <a:rPr lang="es-ES" smtClean="0"/>
-              <a:t>06/09/2018</a:t>
+              <a:t>07/09/2018</a:t>
             </a:fld>
             <a:endParaRPr lang="es-ES"/>
           </a:p>
@@ -2825,7 +2825,7 @@
           <a:p>
             <a:fld id="{CFD3D9E8-AEA8-4266-B9F7-F80F9467AD05}" type="datetimeFigureOut">
               <a:rPr lang="es-ES" smtClean="0"/>
-              <a:t>06/09/2018</a:t>
+              <a:t>07/09/2018</a:t>
             </a:fld>
             <a:endParaRPr lang="es-ES"/>
           </a:p>
@@ -3100,7 +3100,7 @@
           <a:p>
             <a:fld id="{CFD3D9E8-AEA8-4266-B9F7-F80F9467AD05}" type="datetimeFigureOut">
               <a:rPr lang="es-ES" smtClean="0"/>
-              <a:t>06/09/2018</a:t>
+              <a:t>07/09/2018</a:t>
             </a:fld>
             <a:endParaRPr lang="es-ES"/>
           </a:p>
@@ -3365,7 +3365,7 @@
           <a:p>
             <a:fld id="{CFD3D9E8-AEA8-4266-B9F7-F80F9467AD05}" type="datetimeFigureOut">
               <a:rPr lang="es-ES" smtClean="0"/>
-              <a:t>06/09/2018</a:t>
+              <a:t>07/09/2018</a:t>
             </a:fld>
             <a:endParaRPr lang="es-ES"/>
           </a:p>
@@ -3777,7 +3777,7 @@
           <a:p>
             <a:fld id="{CFD3D9E8-AEA8-4266-B9F7-F80F9467AD05}" type="datetimeFigureOut">
               <a:rPr lang="es-ES" smtClean="0"/>
-              <a:t>06/09/2018</a:t>
+              <a:t>07/09/2018</a:t>
             </a:fld>
             <a:endParaRPr lang="es-ES"/>
           </a:p>
@@ -3918,7 +3918,7 @@
           <a:p>
             <a:fld id="{CFD3D9E8-AEA8-4266-B9F7-F80F9467AD05}" type="datetimeFigureOut">
               <a:rPr lang="es-ES" smtClean="0"/>
-              <a:t>06/09/2018</a:t>
+              <a:t>07/09/2018</a:t>
             </a:fld>
             <a:endParaRPr lang="es-ES"/>
           </a:p>
@@ -4031,7 +4031,7 @@
           <a:p>
             <a:fld id="{CFD3D9E8-AEA8-4266-B9F7-F80F9467AD05}" type="datetimeFigureOut">
               <a:rPr lang="es-ES" smtClean="0"/>
-              <a:t>06/09/2018</a:t>
+              <a:t>07/09/2018</a:t>
             </a:fld>
             <a:endParaRPr lang="es-ES"/>
           </a:p>
@@ -4342,7 +4342,7 @@
           <a:p>
             <a:fld id="{CFD3D9E8-AEA8-4266-B9F7-F80F9467AD05}" type="datetimeFigureOut">
               <a:rPr lang="es-ES" smtClean="0"/>
-              <a:t>06/09/2018</a:t>
+              <a:t>07/09/2018</a:t>
             </a:fld>
             <a:endParaRPr lang="es-ES"/>
           </a:p>
@@ -4630,7 +4630,7 @@
           <a:p>
             <a:fld id="{CFD3D9E8-AEA8-4266-B9F7-F80F9467AD05}" type="datetimeFigureOut">
               <a:rPr lang="es-ES" smtClean="0"/>
-              <a:t>06/09/2018</a:t>
+              <a:t>07/09/2018</a:t>
             </a:fld>
             <a:endParaRPr lang="es-ES"/>
           </a:p>
@@ -4871,7 +4871,7 @@
           <a:p>
             <a:fld id="{CFD3D9E8-AEA8-4266-B9F7-F80F9467AD05}" type="datetimeFigureOut">
               <a:rPr lang="es-ES" smtClean="0"/>
-              <a:t>06/09/2018</a:t>
+              <a:t>07/09/2018</a:t>
             </a:fld>
             <a:endParaRPr lang="es-ES"/>
           </a:p>
@@ -11084,77 +11084,7 @@
               <a:buFont typeface="Wingdings" panose="05000000000000000000" pitchFamily="2" charset="2"/>
               <a:buChar char="ü"/>
             </a:pPr>
-            <a:r>
-              <a:rPr lang="es-ES" sz="2400" dirty="0"/>
-              <a:t> Desarrollo </a:t>
-            </a:r>
-            <a:r>
-              <a:rPr lang="es-ES" sz="2400" b="1" dirty="0"/>
-              <a:t>satisfactorio</a:t>
-            </a:r>
-            <a:r>
-              <a:rPr lang="es-ES" sz="2400" dirty="0"/>
-              <a:t> siguiendo ambas arquitecturas </a:t>
-            </a:r>
-          </a:p>
-          <a:p>
-            <a:pPr algn="just">
-              <a:lnSpc>
-                <a:spcPct val="150000"/>
-              </a:lnSpc>
-              <a:buFont typeface="Wingdings" panose="05000000000000000000" pitchFamily="2" charset="2"/>
-              <a:buChar char="ü"/>
-            </a:pPr>
-            <a:r>
-              <a:rPr lang="es-ES" sz="2400" dirty="0"/>
-              <a:t> Desarrollo más desafiante implementando una solución basada en </a:t>
-            </a:r>
-            <a:r>
-              <a:rPr lang="es-ES" sz="2400" b="1" dirty="0"/>
-              <a:t>microservicios</a:t>
-            </a:r>
-          </a:p>
-          <a:p>
-            <a:pPr algn="just">
-              <a:lnSpc>
-                <a:spcPct val="150000"/>
-              </a:lnSpc>
-              <a:buFont typeface="Wingdings" panose="05000000000000000000" pitchFamily="2" charset="2"/>
-              <a:buChar char="ü"/>
-            </a:pPr>
-            <a:r>
-              <a:rPr lang="es-ES" sz="2400" dirty="0"/>
-              <a:t> Mantenimiento más </a:t>
-            </a:r>
-            <a:r>
-              <a:rPr lang="es-ES" sz="2400" b="1" dirty="0"/>
-              <a:t>simple</a:t>
-            </a:r>
-            <a:r>
-              <a:rPr lang="es-ES" sz="2400" dirty="0"/>
-              <a:t> en un sistema basado en microservicios </a:t>
-            </a:r>
-          </a:p>
-          <a:p>
-            <a:pPr algn="just">
-              <a:lnSpc>
-                <a:spcPct val="150000"/>
-              </a:lnSpc>
-              <a:buFont typeface="Wingdings" panose="05000000000000000000" pitchFamily="2" charset="2"/>
-              <a:buChar char="ü"/>
-            </a:pPr>
-            <a:r>
-              <a:rPr lang="es-ES" sz="2400" dirty="0"/>
-              <a:t>Supremacía del sistema basado en microservicios frente a los </a:t>
-            </a:r>
-            <a:r>
-              <a:rPr lang="es-ES" sz="2400" b="1" dirty="0" err="1"/>
-              <a:t>RNFs</a:t>
-            </a:r>
-            <a:r>
-              <a:rPr lang="es-ES" sz="2400" dirty="0"/>
-              <a:t> analizados</a:t>
-            </a:r>
+            <a:endParaRPr lang="es-ES" sz="2400" dirty="0"/>
           </a:p>
         </p:txBody>
       </p:sp>
